--- a/XI class/01. OOP - Module 1/00. Компютърът/Компютърът.pptx
+++ b/XI class/01. OOP - Module 1/00. Компютърът/Компютърът.pptx
@@ -114,6 +114,11 @@
       </a:defRPr>
     </a:lvl9pPr>
   </p:defaultTextStyle>
+  <p:extLst>
+    <p:ext uri="{EFAFB233-063F-42B5-8137-9DF3F51BA10A}">
+      <p15:sldGuideLst xmlns:p15="http://schemas.microsoft.com/office/powerpoint/2012/main"/>
+    </p:ext>
+  </p:extLst>
 </p:presentation>
 </file>
 
@@ -270,7 +275,7 @@
           <a:p>
             <a:fld id="{79C5A860-F335-4252-AA00-24FB67ED2982}" type="datetime1">
               <a:rPr lang="en-US" smtClean="0"/>
-              <a:t>9/16/2024</a:t>
+              <a:t>9/18/2024</a:t>
             </a:fld>
             <a:endParaRPr lang="en-US"/>
           </a:p>
@@ -469,7 +474,7 @@
           <a:p>
             <a:fld id="{46AB1048-0047-48CA-88BA-D69B470942CF}" type="datetime1">
               <a:rPr lang="en-US" smtClean="0"/>
-              <a:t>9/16/2024</a:t>
+              <a:t>9/18/2024</a:t>
             </a:fld>
             <a:endParaRPr lang="en-US"/>
           </a:p>
@@ -679,7 +684,7 @@
           <a:p>
             <a:fld id="{5BD83879-648C-49A9-81A2-0EF5946532D0}" type="datetime1">
               <a:rPr lang="en-US" smtClean="0"/>
-              <a:t>9/16/2024</a:t>
+              <a:t>9/18/2024</a:t>
             </a:fld>
             <a:endParaRPr lang="en-US"/>
           </a:p>
@@ -877,7 +882,7 @@
           <a:p>
             <a:fld id="{D04BC802-30E3-4658-9CCA-F873646FEC67}" type="datetime1">
               <a:rPr lang="en-US" smtClean="0"/>
-              <a:t>9/16/2024</a:t>
+              <a:t>9/18/2024</a:t>
             </a:fld>
             <a:endParaRPr lang="en-US"/>
           </a:p>
@@ -1155,7 +1160,7 @@
           <a:p>
             <a:fld id="{0AB227A3-19CE-4153-81CE-64EB7AB094B3}" type="datetime1">
               <a:rPr lang="en-US" smtClean="0"/>
-              <a:t>9/16/2024</a:t>
+              <a:t>9/18/2024</a:t>
             </a:fld>
             <a:endParaRPr lang="en-US"/>
           </a:p>
@@ -1422,7 +1427,7 @@
           <a:p>
             <a:fld id="{B819A100-10F6-477E-8847-29D479EF1C92}" type="datetime1">
               <a:rPr lang="en-US" smtClean="0"/>
-              <a:t>9/16/2024</a:t>
+              <a:t>9/18/2024</a:t>
             </a:fld>
             <a:endParaRPr lang="en-US"/>
           </a:p>
@@ -1836,7 +1841,7 @@
           <a:p>
             <a:fld id="{5DF128AB-198A-495F-8475-FDB360C9873F}" type="datetime1">
               <a:rPr lang="en-US" smtClean="0"/>
-              <a:t>9/16/2024</a:t>
+              <a:t>9/18/2024</a:t>
             </a:fld>
             <a:endParaRPr lang="en-US"/>
           </a:p>
@@ -1977,7 +1982,7 @@
           <a:p>
             <a:fld id="{021A235E-F8FD-479F-9FC7-18BE84110877}" type="datetime1">
               <a:rPr lang="en-US" smtClean="0"/>
-              <a:t>9/16/2024</a:t>
+              <a:t>9/18/2024</a:t>
             </a:fld>
             <a:endParaRPr lang="en-US"/>
           </a:p>
@@ -2090,7 +2095,7 @@
           <a:p>
             <a:fld id="{E890F09B-68DA-462E-9DB4-4C9ADAB8CBCC}" type="datetime1">
               <a:rPr lang="en-US" smtClean="0"/>
-              <a:t>9/16/2024</a:t>
+              <a:t>9/18/2024</a:t>
             </a:fld>
             <a:endParaRPr lang="en-US"/>
           </a:p>
@@ -2409,7 +2414,7 @@
           <a:p>
             <a:fld id="{17AC4E36-FABE-47EB-AA7F-C19A93824617}" type="datetime1">
               <a:rPr lang="en-US" smtClean="0"/>
-              <a:t>9/16/2024</a:t>
+              <a:t>9/18/2024</a:t>
             </a:fld>
             <a:endParaRPr lang="en-US"/>
           </a:p>
@@ -2706,7 +2711,7 @@
           <a:p>
             <a:fld id="{F199CE6B-5DE6-4A2D-B72E-5E8969F9F56F}" type="datetime1">
               <a:rPr lang="en-US" smtClean="0"/>
-              <a:t>9/16/2024</a:t>
+              <a:t>9/18/2024</a:t>
             </a:fld>
             <a:endParaRPr lang="en-US"/>
           </a:p>
@@ -3564,7 +3569,7 @@
           <a:p>
             <a:fld id="{F481A142-DA77-4A5F-AD1F-14E6C18F0F5F}" type="datetime1">
               <a:rPr lang="en-US" smtClean="0"/>
-              <a:t>9/16/2024</a:t>
+              <a:t>9/18/2024</a:t>
             </a:fld>
             <a:endParaRPr lang="en-US" dirty="0"/>
           </a:p>
@@ -5767,7 +5772,15 @@
           <a:p>
             <a:r>
               <a:rPr lang="bg-BG" sz="2800" dirty="0"/>
-              <a:t>3. Какво представлява структурирането на множество от елементи, което наричаме йерархия? Къде в компютърните състеми може да наблюдаваме йерархична организация?</a:t>
+              <a:t>3. Какво представлява структурирането на множество от елементи, което наричаме йерархия? Къде в </a:t>
+            </a:r>
+            <a:r>
+              <a:rPr lang="bg-BG" sz="2800"/>
+              <a:t>компютърните системи </a:t>
+            </a:r>
+            <a:r>
+              <a:rPr lang="bg-BG" sz="2800" dirty="0"/>
+              <a:t>може да наблюдаваме йерархична организация?</a:t>
             </a:r>
             <a:endParaRPr lang="en-GB" sz="2800" b="1" dirty="0">
               <a:solidFill>
@@ -6233,7 +6246,7 @@
           <a:p>
             <a:r>
               <a:rPr lang="bg-BG" sz="2400" dirty="0"/>
-              <a:t>4. Функции на операционната състема (ОС)</a:t>
+              <a:t>4. Функции на операционната система (ОС)</a:t>
             </a:r>
           </a:p>
         </p:txBody>
@@ -10870,15 +10883,6 @@
               <a:srgbClr val="FFFFFF"/>
             </a:contourClr>
           </a:sp3d>
-          <a:extLst>
-            <a:ext uri="{909E8E84-426E-40DD-AFC4-6F175D3DCCD1}">
-              <a14:hiddenFill xmlns:a14="http://schemas.microsoft.com/office/drawing/2010/main">
-                <a:solidFill>
-                  <a:srgbClr val="FFFFFF"/>
-                </a:solidFill>
-              </a14:hiddenFill>
-            </a:ext>
-          </a:extLst>
         </p:spPr>
       </p:pic>
       <p:sp>
@@ -10994,15 +10998,6 @@
               <a:srgbClr val="FFFFFF"/>
             </a:contourClr>
           </a:sp3d>
-          <a:extLst>
-            <a:ext uri="{909E8E84-426E-40DD-AFC4-6F175D3DCCD1}">
-              <a14:hiddenFill xmlns:a14="http://schemas.microsoft.com/office/drawing/2010/main">
-                <a:solidFill>
-                  <a:srgbClr val="FFFFFF"/>
-                </a:solidFill>
-              </a14:hiddenFill>
-            </a:ext>
-          </a:extLst>
         </p:spPr>
       </p:pic>
       <p:sp>
